--- a/Documentacion/guias/Presentación Final.pptx
+++ b/Documentacion/guias/Presentación Final.pptx
@@ -54,7 +54,7 @@
         <p:spPr>
           <a:xfrm>
             <a:off x="0" y="5400000"/>
-            <a:ext cx="10079280" cy="269280"/>
+            <a:ext cx="10078920" cy="268920"/>
           </a:xfrm>
           <a:prstGeom prst="rect">
             <a:avLst/>
@@ -103,7 +103,7 @@
         <p:spPr>
           <a:xfrm>
             <a:off x="0" y="0"/>
-            <a:ext cx="10079280" cy="1214280"/>
+            <a:ext cx="10078920" cy="1213920"/>
           </a:xfrm>
           <a:prstGeom prst="rect">
             <a:avLst/>
@@ -152,7 +152,7 @@
         <p:spPr>
           <a:xfrm>
             <a:off x="9315000" y="5175000"/>
-            <a:ext cx="449280" cy="449280"/>
+            <a:ext cx="448920" cy="448920"/>
           </a:xfrm>
           <a:prstGeom prst="ellipse">
             <a:avLst/>
@@ -207,7 +207,7 @@
         <p:spPr>
           <a:xfrm>
             <a:off x="360000" y="225720"/>
-            <a:ext cx="9359280" cy="718200"/>
+            <a:ext cx="9358920" cy="717840"/>
           </a:xfrm>
           <a:prstGeom prst="rect">
             <a:avLst/>
@@ -266,7 +266,7 @@
         <p:spPr>
           <a:xfrm>
             <a:off x="360000" y="1485000"/>
-            <a:ext cx="9359280" cy="3779280"/>
+            <a:ext cx="9358920" cy="3778920"/>
           </a:xfrm>
           <a:prstGeom prst="rect">
             <a:avLst/>
@@ -540,7 +540,7 @@
         <p:spPr>
           <a:xfrm>
             <a:off x="360000" y="5400000"/>
-            <a:ext cx="2879280" cy="311400"/>
+            <a:ext cx="2878920" cy="311400"/>
           </a:xfrm>
           <a:prstGeom prst="rect">
             <a:avLst/>
@@ -618,7 +618,7 @@
         <p:spPr>
           <a:xfrm>
             <a:off x="3420000" y="5400000"/>
-            <a:ext cx="3239280" cy="311400"/>
+            <a:ext cx="3238920" cy="311400"/>
           </a:xfrm>
           <a:prstGeom prst="rect">
             <a:avLst/>
@@ -696,7 +696,7 @@
         <p:spPr>
           <a:xfrm>
             <a:off x="9180000" y="5262480"/>
-            <a:ext cx="719280" cy="274680"/>
+            <a:ext cx="718920" cy="274680"/>
           </a:xfrm>
           <a:prstGeom prst="rect">
             <a:avLst/>
@@ -739,7 +739,7 @@
                 <a:tab algn="l" pos="0"/>
               </a:tabLst>
             </a:pPr>
-            <a:fld id="{BB81B812-C3C7-4B0D-AAE8-8DD09698F9B6}" type="slidenum">
+            <a:fld id="{71C51C1C-A6D8-452C-A13B-28C40D05D570}" type="slidenum">
               <a:rPr b="1" lang="es-AR" sz="1800" strike="noStrike" u="none">
                 <a:solidFill>
                   <a:srgbClr val="ffffff"/>
@@ -792,7 +792,7 @@
         <p:spPr>
           <a:xfrm>
             <a:off x="0" y="0"/>
-            <a:ext cx="10079280" cy="5669280"/>
+            <a:ext cx="10078920" cy="5668920"/>
           </a:xfrm>
           <a:prstGeom prst="rect">
             <a:avLst/>
@@ -841,7 +841,7 @@
         <p:spPr>
           <a:xfrm>
             <a:off x="0" y="0"/>
-            <a:ext cx="10079280" cy="3779280"/>
+            <a:ext cx="10078920" cy="3778920"/>
           </a:xfrm>
           <a:prstGeom prst="rect">
             <a:avLst/>
@@ -896,7 +896,7 @@
         <p:spPr>
           <a:xfrm>
             <a:off x="360000" y="2835000"/>
-            <a:ext cx="9359280" cy="718200"/>
+            <a:ext cx="9358920" cy="717840"/>
           </a:xfrm>
           <a:prstGeom prst="rect">
             <a:avLst/>
@@ -955,7 +955,7 @@
         <p:spPr>
           <a:xfrm>
             <a:off x="360000" y="3915000"/>
-            <a:ext cx="9359280" cy="1484280"/>
+            <a:ext cx="9358920" cy="1483920"/>
           </a:xfrm>
           <a:prstGeom prst="rect">
             <a:avLst/>
@@ -1215,7 +1215,7 @@
         <p:spPr>
           <a:xfrm>
             <a:off x="360000" y="5400000"/>
-            <a:ext cx="2879280" cy="311400"/>
+            <a:ext cx="2878920" cy="311400"/>
           </a:xfrm>
           <a:prstGeom prst="rect">
             <a:avLst/>
@@ -1293,7 +1293,7 @@
         <p:spPr>
           <a:xfrm>
             <a:off x="3420000" y="5400000"/>
-            <a:ext cx="3239280" cy="311400"/>
+            <a:ext cx="3238920" cy="311400"/>
           </a:xfrm>
           <a:prstGeom prst="rect">
             <a:avLst/>
@@ -1371,7 +1371,7 @@
         <p:spPr>
           <a:xfrm>
             <a:off x="9180000" y="5262480"/>
-            <a:ext cx="719280" cy="274680"/>
+            <a:ext cx="718920" cy="274680"/>
           </a:xfrm>
           <a:prstGeom prst="rect">
             <a:avLst/>
@@ -1414,7 +1414,7 @@
                 <a:tab algn="l" pos="0"/>
               </a:tabLst>
             </a:pPr>
-            <a:fld id="{DB1790F6-55ED-48EB-BFA6-0D26D7DA3632}" type="slidenum">
+            <a:fld id="{83F01041-21AF-4E4A-BC34-90B19A127DF7}" type="slidenum">
               <a:rPr b="1" lang="es-AR" sz="1800" strike="noStrike" u="none">
                 <a:solidFill>
                   <a:srgbClr val="ffffff"/>
@@ -1467,7 +1467,7 @@
         <p:spPr>
           <a:xfrm>
             <a:off x="0" y="0"/>
-            <a:ext cx="10079280" cy="5669280"/>
+            <a:ext cx="10078920" cy="5668920"/>
           </a:xfrm>
           <a:prstGeom prst="rect">
             <a:avLst/>
@@ -1516,7 +1516,7 @@
         <p:spPr>
           <a:xfrm>
             <a:off x="0" y="0"/>
-            <a:ext cx="10079280" cy="3779280"/>
+            <a:ext cx="10078920" cy="3778920"/>
           </a:xfrm>
           <a:prstGeom prst="rect">
             <a:avLst/>
@@ -1571,7 +1571,7 @@
         <p:spPr>
           <a:xfrm>
             <a:off x="360000" y="2835000"/>
-            <a:ext cx="9359280" cy="718200"/>
+            <a:ext cx="9358920" cy="717840"/>
           </a:xfrm>
           <a:prstGeom prst="rect">
             <a:avLst/>
@@ -1630,7 +1630,7 @@
         <p:spPr>
           <a:xfrm>
             <a:off x="360000" y="3915000"/>
-            <a:ext cx="9359280" cy="1484280"/>
+            <a:ext cx="9358920" cy="1483920"/>
           </a:xfrm>
           <a:prstGeom prst="rect">
             <a:avLst/>
@@ -1890,7 +1890,7 @@
         <p:spPr>
           <a:xfrm>
             <a:off x="360000" y="5400000"/>
-            <a:ext cx="2879280" cy="311400"/>
+            <a:ext cx="2878920" cy="311400"/>
           </a:xfrm>
           <a:prstGeom prst="rect">
             <a:avLst/>
@@ -1968,7 +1968,7 @@
         <p:spPr>
           <a:xfrm>
             <a:off x="3420000" y="5400000"/>
-            <a:ext cx="3239280" cy="311400"/>
+            <a:ext cx="3238920" cy="311400"/>
           </a:xfrm>
           <a:prstGeom prst="rect">
             <a:avLst/>
@@ -2046,7 +2046,7 @@
         <p:spPr>
           <a:xfrm>
             <a:off x="9180000" y="5262480"/>
-            <a:ext cx="719280" cy="274680"/>
+            <a:ext cx="718920" cy="274680"/>
           </a:xfrm>
           <a:prstGeom prst="rect">
             <a:avLst/>
@@ -2089,7 +2089,7 @@
                 <a:tab algn="l" pos="0"/>
               </a:tabLst>
             </a:pPr>
-            <a:fld id="{16DA3AC9-E843-4936-88E0-84B09C0C3DBB}" type="slidenum">
+            <a:fld id="{6D120AFA-9D7C-4A74-842B-E318F26CBB9B}" type="slidenum">
               <a:rPr b="1" lang="es-AR" sz="1800" strike="noStrike" u="none">
                 <a:solidFill>
                   <a:srgbClr val="ffffff"/>
@@ -2142,7 +2142,7 @@
         <p:spPr>
           <a:xfrm>
             <a:off x="0" y="0"/>
-            <a:ext cx="10079280" cy="5669280"/>
+            <a:ext cx="10078920" cy="5668920"/>
           </a:xfrm>
           <a:prstGeom prst="rect">
             <a:avLst/>
@@ -2191,7 +2191,7 @@
         <p:spPr>
           <a:xfrm>
             <a:off x="2520000" y="1350000"/>
-            <a:ext cx="5039280" cy="1889280"/>
+            <a:ext cx="5038920" cy="1888920"/>
           </a:xfrm>
           <a:prstGeom prst="wedgeRectCallout">
             <a:avLst>
@@ -2250,7 +2250,7 @@
         <p:spPr>
           <a:xfrm>
             <a:off x="2700000" y="1485000"/>
-            <a:ext cx="4679280" cy="1619280"/>
+            <a:ext cx="4678920" cy="1618920"/>
           </a:xfrm>
           <a:prstGeom prst="rect">
             <a:avLst/>
@@ -2309,7 +2309,7 @@
         <p:spPr>
           <a:xfrm>
             <a:off x="3420000" y="3240000"/>
-            <a:ext cx="6299280" cy="1619280"/>
+            <a:ext cx="6298920" cy="1618920"/>
           </a:xfrm>
           <a:prstGeom prst="rect">
             <a:avLst/>
@@ -2569,7 +2569,7 @@
         <p:spPr>
           <a:xfrm>
             <a:off x="360000" y="5400000"/>
-            <a:ext cx="2879280" cy="311400"/>
+            <a:ext cx="2878920" cy="311400"/>
           </a:xfrm>
           <a:prstGeom prst="rect">
             <a:avLst/>
@@ -2647,7 +2647,7 @@
         <p:spPr>
           <a:xfrm>
             <a:off x="3420000" y="5400000"/>
-            <a:ext cx="3239280" cy="311400"/>
+            <a:ext cx="3238920" cy="311400"/>
           </a:xfrm>
           <a:prstGeom prst="rect">
             <a:avLst/>
@@ -2725,7 +2725,7 @@
         <p:spPr>
           <a:xfrm>
             <a:off x="9180000" y="5262480"/>
-            <a:ext cx="719280" cy="274680"/>
+            <a:ext cx="718920" cy="274680"/>
           </a:xfrm>
           <a:prstGeom prst="rect">
             <a:avLst/>
@@ -2768,7 +2768,7 @@
                 <a:tab algn="l" pos="0"/>
               </a:tabLst>
             </a:pPr>
-            <a:fld id="{37D0E134-C7C8-47B4-B62D-E49B678CA0A2}" type="slidenum">
+            <a:fld id="{D816DCCE-772A-4A83-BAD1-CC44E73DF19E}" type="slidenum">
               <a:rPr b="1" lang="es-AR" sz="1800" strike="noStrike" u="none">
                 <a:solidFill>
                   <a:srgbClr val="ffffff"/>
@@ -2853,8 +2853,8 @@
         </p:nvSpPr>
         <p:spPr>
           <a:xfrm>
-            <a:off x="180720" y="1080360"/>
-            <a:ext cx="9359280" cy="719640"/>
+            <a:off x="180720" y="1080000"/>
+            <a:ext cx="9358920" cy="720000"/>
           </a:xfrm>
           <a:prstGeom prst="rect">
             <a:avLst/>
@@ -2909,7 +2909,7 @@
         <p:spPr>
           <a:xfrm>
             <a:off x="180720" y="181800"/>
-            <a:ext cx="9359280" cy="718200"/>
+            <a:ext cx="9358920" cy="717840"/>
           </a:xfrm>
           <a:prstGeom prst="rect">
             <a:avLst/>
@@ -2971,7 +2971,7 @@
         <p:spPr>
           <a:xfrm>
             <a:off x="315000" y="3059640"/>
-            <a:ext cx="9359280" cy="2580480"/>
+            <a:ext cx="9358920" cy="2580840"/>
           </a:xfrm>
           <a:prstGeom prst="rect">
             <a:avLst/>
@@ -3219,8 +3219,8 @@
         </p:nvSpPr>
         <p:spPr>
           <a:xfrm>
-            <a:off x="540000" y="180360"/>
-            <a:ext cx="9359280" cy="719640"/>
+            <a:off x="540000" y="180000"/>
+            <a:ext cx="9358920" cy="720000"/>
           </a:xfrm>
           <a:prstGeom prst="rect">
             <a:avLst/>
@@ -3279,7 +3279,7 @@
         <p:spPr>
           <a:xfrm>
             <a:off x="360000" y="3915000"/>
-            <a:ext cx="9359280" cy="1484280"/>
+            <a:ext cx="9358920" cy="1483920"/>
           </a:xfrm>
           <a:prstGeom prst="rect">
             <a:avLst/>
@@ -3320,7 +3320,7 @@
         <p:spPr>
           <a:xfrm>
             <a:off x="360000" y="1065960"/>
-            <a:ext cx="9359280" cy="1106280"/>
+            <a:ext cx="9358920" cy="1105920"/>
           </a:xfrm>
           <a:prstGeom prst="rect">
             <a:avLst/>
@@ -3367,7 +3367,7 @@
         <p:spPr>
           <a:xfrm>
             <a:off x="360000" y="1131120"/>
-            <a:ext cx="9359280" cy="975960"/>
+            <a:ext cx="9358920" cy="975600"/>
           </a:xfrm>
           <a:prstGeom prst="rect">
             <a:avLst/>
@@ -3458,8 +3458,8 @@
         </p:nvSpPr>
         <p:spPr>
           <a:xfrm>
-            <a:off x="540000" y="180360"/>
-            <a:ext cx="9359280" cy="719640"/>
+            <a:off x="540000" y="180000"/>
+            <a:ext cx="9358920" cy="720000"/>
           </a:xfrm>
           <a:prstGeom prst="rect">
             <a:avLst/>
@@ -3518,7 +3518,7 @@
         <p:spPr>
           <a:xfrm>
             <a:off x="720000" y="900000"/>
-            <a:ext cx="8819280" cy="4498920"/>
+            <a:ext cx="8818920" cy="4498560"/>
           </a:xfrm>
           <a:prstGeom prst="rect">
             <a:avLst/>
@@ -3571,8 +3571,8 @@
         </p:nvSpPr>
         <p:spPr>
           <a:xfrm>
-            <a:off x="360000" y="360"/>
-            <a:ext cx="9359280" cy="719640"/>
+            <a:off x="360000" y="0"/>
+            <a:ext cx="9358920" cy="720000"/>
           </a:xfrm>
           <a:prstGeom prst="rect">
             <a:avLst/>
@@ -3631,7 +3631,7 @@
         <p:spPr>
           <a:xfrm>
             <a:off x="360000" y="720000"/>
-            <a:ext cx="9179280" cy="4678920"/>
+            <a:ext cx="9178920" cy="4678560"/>
           </a:xfrm>
           <a:prstGeom prst="rect">
             <a:avLst/>
@@ -3651,7 +3651,7 @@
         <p:spPr>
           <a:xfrm>
             <a:off x="6660000" y="4320000"/>
-            <a:ext cx="179280" cy="899280"/>
+            <a:ext cx="178920" cy="898920"/>
           </a:xfrm>
           <a:prstGeom prst="rect">
             <a:avLst/>
@@ -3734,8 +3734,8 @@
         </p:nvSpPr>
         <p:spPr>
           <a:xfrm>
-            <a:off x="360000" y="2834280"/>
-            <a:ext cx="9359280" cy="719640"/>
+            <a:off x="360000" y="2833920"/>
+            <a:ext cx="9358920" cy="720000"/>
           </a:xfrm>
           <a:prstGeom prst="rect">
             <a:avLst/>
@@ -3777,7 +3777,7 @@
         <p:spPr>
           <a:xfrm>
             <a:off x="360000" y="3915000"/>
-            <a:ext cx="9359280" cy="1484280"/>
+            <a:ext cx="9358920" cy="1483920"/>
           </a:xfrm>
           <a:prstGeom prst="rect">
             <a:avLst/>
@@ -3822,7 +3822,7 @@
         <p:spPr>
           <a:xfrm>
             <a:off x="360" y="814320"/>
-            <a:ext cx="10078920" cy="2964960"/>
+            <a:ext cx="10078560" cy="2964600"/>
           </a:xfrm>
           <a:prstGeom prst="rect">
             <a:avLst/>
@@ -3842,7 +3842,7 @@
         <p:spPr>
           <a:xfrm>
             <a:off x="360" y="3420000"/>
-            <a:ext cx="1798920" cy="359280"/>
+            <a:ext cx="1798560" cy="358920"/>
           </a:xfrm>
           <a:prstGeom prst="rect">
             <a:avLst/>
@@ -3892,7 +3892,7 @@
         <p:spPr>
           <a:xfrm>
             <a:off x="360000" y="-126720"/>
-            <a:ext cx="9359280" cy="974880"/>
+            <a:ext cx="9358920" cy="974880"/>
           </a:xfrm>
           <a:prstGeom prst="rect">
             <a:avLst/>
@@ -3998,8 +3998,8 @@
         </p:nvSpPr>
         <p:spPr>
           <a:xfrm>
-            <a:off x="360000" y="180360"/>
-            <a:ext cx="9359280" cy="719640"/>
+            <a:off x="360000" y="180000"/>
+            <a:ext cx="9358920" cy="720000"/>
           </a:xfrm>
           <a:prstGeom prst="rect">
             <a:avLst/>
@@ -4058,7 +4058,7 @@
         <p:spPr>
           <a:xfrm>
             <a:off x="1260000" y="900000"/>
-            <a:ext cx="7559280" cy="4498920"/>
+            <a:ext cx="7558920" cy="4498560"/>
           </a:xfrm>
           <a:prstGeom prst="rect">
             <a:avLst/>
@@ -4111,8 +4111,8 @@
         </p:nvSpPr>
         <p:spPr>
           <a:xfrm>
-            <a:off x="360000" y="360360"/>
-            <a:ext cx="9359280" cy="719640"/>
+            <a:off x="360000" y="360000"/>
+            <a:ext cx="9358920" cy="720000"/>
           </a:xfrm>
           <a:prstGeom prst="rect">
             <a:avLst/>
@@ -4171,7 +4171,7 @@
         <p:spPr>
           <a:xfrm>
             <a:off x="720000" y="1080000"/>
-            <a:ext cx="8819280" cy="4499280"/>
+            <a:ext cx="8818920" cy="4498920"/>
           </a:xfrm>
           <a:prstGeom prst="rect">
             <a:avLst/>
@@ -4225,7 +4225,7 @@
         <p:spPr>
           <a:xfrm>
             <a:off x="360000" y="225720"/>
-            <a:ext cx="9359280" cy="719280"/>
+            <a:ext cx="9358920" cy="718920"/>
           </a:xfrm>
           <a:prstGeom prst="rect">
             <a:avLst/>
@@ -4245,6 +4245,9 @@
                 <a:spcPct val="100000"/>
               </a:lnSpc>
               <a:buNone/>
+              <a:tabLst>
+                <a:tab algn="l" pos="0"/>
+              </a:tabLst>
             </a:pPr>
             <a:r>
               <a:rPr b="0" lang="es-AR" sz="1800" strike="noStrike" u="none">
@@ -4281,7 +4284,7 @@
         <p:spPr>
           <a:xfrm>
             <a:off x="360000" y="1485000"/>
-            <a:ext cx="9359280" cy="3779280"/>
+            <a:ext cx="9358920" cy="3778920"/>
           </a:xfrm>
           <a:prstGeom prst="rect">
             <a:avLst/>
@@ -4301,6 +4304,9 @@
                 <a:spcPct val="100000"/>
               </a:lnSpc>
               <a:buNone/>
+              <a:tabLst>
+                <a:tab algn="l" pos="0"/>
+              </a:tabLst>
             </a:pPr>
             <a:r>
               <a:rPr b="0" lang="es-AR" sz="1800" strike="noStrike" u="none">
@@ -4360,7 +4366,7 @@
         <p:txBody>
           <a:bodyPr/>
           <a:p>
-            <a:fld id="{9F11FB8D-A839-438D-B3A0-4C4E6E1CA5F2}" type="slidenum">
+            <a:fld id="{16F83766-544A-4C06-B1D8-AEA298BC42D2}" type="slidenum">
               <a:t>16</a:t>
             </a:fld>
           </a:p>
@@ -4409,7 +4415,7 @@
         <p:spPr>
           <a:xfrm>
             <a:off x="2700000" y="1440000"/>
-            <a:ext cx="4679280" cy="1619280"/>
+            <a:ext cx="4678920" cy="1618920"/>
           </a:xfrm>
           <a:prstGeom prst="rect">
             <a:avLst/>
@@ -4429,6 +4435,9 @@
                 <a:spcPct val="100000"/>
               </a:lnSpc>
               <a:buNone/>
+              <a:tabLst>
+                <a:tab algn="l" pos="0"/>
+              </a:tabLst>
             </a:pPr>
             <a:r>
               <a:rPr b="0" lang="es-AR" sz="1800" strike="noStrike" u="none">
@@ -4466,7 +4475,7 @@
         <p:txBody>
           <a:bodyPr/>
           <a:p>
-            <a:fld id="{A5B62F27-F639-4D58-8041-0E9BCA388C98}" type="slidenum">
+            <a:fld id="{7FB63561-F0D3-44AC-A222-D0830122ABC5}" type="slidenum">
               <a:t>17</a:t>
             </a:fld>
           </a:p>
@@ -4514,8 +4523,8 @@
         </p:nvSpPr>
         <p:spPr>
           <a:xfrm>
-            <a:off x="360000" y="359280"/>
-            <a:ext cx="9359280" cy="719640"/>
+            <a:off x="360000" y="358920"/>
+            <a:ext cx="9358920" cy="720000"/>
           </a:xfrm>
           <a:prstGeom prst="rect">
             <a:avLst/>
@@ -4574,7 +4583,7 @@
         <p:spPr>
           <a:xfrm>
             <a:off x="360000" y="3915000"/>
-            <a:ext cx="9359280" cy="1484280"/>
+            <a:ext cx="9358920" cy="1483920"/>
           </a:xfrm>
           <a:prstGeom prst="rect">
             <a:avLst/>
@@ -4635,7 +4644,7 @@
         <p:spPr>
           <a:xfrm>
             <a:off x="360000" y="950040"/>
-            <a:ext cx="9359280" cy="1340640"/>
+            <a:ext cx="9358920" cy="1340280"/>
           </a:xfrm>
           <a:prstGeom prst="rect">
             <a:avLst/>
@@ -4897,8 +4906,8 @@
         </p:nvSpPr>
         <p:spPr>
           <a:xfrm>
-            <a:off x="180720" y="131040"/>
-            <a:ext cx="9359280" cy="719640"/>
+            <a:off x="180720" y="130680"/>
+            <a:ext cx="9358920" cy="720000"/>
           </a:xfrm>
           <a:prstGeom prst="rect">
             <a:avLst/>
@@ -4957,7 +4966,7 @@
         <p:spPr>
           <a:xfrm>
             <a:off x="0" y="759960"/>
-            <a:ext cx="10080720" cy="4820040"/>
+            <a:ext cx="10080360" cy="4819680"/>
           </a:xfrm>
           <a:prstGeom prst="rect">
             <a:avLst/>
@@ -5010,8 +5019,8 @@
         </p:nvSpPr>
         <p:spPr>
           <a:xfrm>
-            <a:off x="360000" y="359280"/>
-            <a:ext cx="9359280" cy="719640"/>
+            <a:off x="360000" y="358920"/>
+            <a:ext cx="9358920" cy="720000"/>
           </a:xfrm>
           <a:prstGeom prst="rect">
             <a:avLst/>
@@ -5070,7 +5079,7 @@
         <p:spPr>
           <a:xfrm>
             <a:off x="0" y="900000"/>
-            <a:ext cx="10079280" cy="4498920"/>
+            <a:ext cx="10078920" cy="4498560"/>
           </a:xfrm>
           <a:prstGeom prst="rect">
             <a:avLst/>
@@ -5123,8 +5132,8 @@
         </p:nvSpPr>
         <p:spPr>
           <a:xfrm>
-            <a:off x="540000" y="359280"/>
-            <a:ext cx="9359280" cy="719640"/>
+            <a:off x="540000" y="358920"/>
+            <a:ext cx="9358920" cy="720000"/>
           </a:xfrm>
           <a:prstGeom prst="rect">
             <a:avLst/>
@@ -5183,7 +5192,7 @@
         <p:spPr>
           <a:xfrm>
             <a:off x="1440000" y="900360"/>
-            <a:ext cx="7559280" cy="4498920"/>
+            <a:ext cx="7558920" cy="4498560"/>
           </a:xfrm>
           <a:prstGeom prst="rect">
             <a:avLst/>
@@ -5236,8 +5245,8 @@
         </p:nvSpPr>
         <p:spPr>
           <a:xfrm>
-            <a:off x="180000" y="180360"/>
-            <a:ext cx="9359280" cy="719640"/>
+            <a:off x="180000" y="180000"/>
+            <a:ext cx="9358920" cy="720000"/>
           </a:xfrm>
           <a:prstGeom prst="rect">
             <a:avLst/>
@@ -5296,7 +5305,7 @@
         <p:spPr>
           <a:xfrm>
             <a:off x="540000" y="900000"/>
-            <a:ext cx="8999280" cy="4498920"/>
+            <a:ext cx="8998920" cy="4498560"/>
           </a:xfrm>
           <a:prstGeom prst="rect">
             <a:avLst/>
@@ -5349,8 +5358,8 @@
         </p:nvSpPr>
         <p:spPr>
           <a:xfrm>
-            <a:off x="360000" y="180360"/>
-            <a:ext cx="9359280" cy="719640"/>
+            <a:off x="360000" y="180000"/>
+            <a:ext cx="9358920" cy="720000"/>
           </a:xfrm>
           <a:prstGeom prst="rect">
             <a:avLst/>
@@ -5383,7 +5392,7 @@
                 <a:uFillTx/>
                 <a:latin typeface="Noto Sans"/>
               </a:rPr>
-              <a:t>Diagrama De La Capa De Plata</a:t>
+              <a:t>Ejemplo De Limpieza En La Capa De Plata</a:t>
             </a:r>
             <a:endParaRPr b="0" lang="es-AR" sz="3200" strike="noStrike" u="none">
               <a:solidFill>
@@ -5408,14 +5417,14 @@
         </p:blipFill>
         <p:spPr>
           <a:xfrm>
-            <a:off x="180000" y="1080000"/>
-            <a:ext cx="9539280" cy="4318920"/>
-          </a:xfrm>
-          <a:prstGeom prst="rect">
-            <a:avLst/>
-          </a:prstGeom>
-          <a:noFill/>
-          <a:ln w="10800">
+            <a:off x="540000" y="900000"/>
+            <a:ext cx="9180000" cy="4680000"/>
+          </a:xfrm>
+          <a:prstGeom prst="rect">
+            <a:avLst/>
+          </a:prstGeom>
+          <a:noFill/>
+          <a:ln w="0">
             <a:noFill/>
           </a:ln>
         </p:spPr>
@@ -5462,8 +5471,8 @@
         </p:nvSpPr>
         <p:spPr>
           <a:xfrm>
-            <a:off x="180000" y="359280"/>
-            <a:ext cx="9359280" cy="719640"/>
+            <a:off x="180000" y="358920"/>
+            <a:ext cx="9358920" cy="720000"/>
           </a:xfrm>
           <a:prstGeom prst="rect">
             <a:avLst/>
@@ -5522,7 +5531,7 @@
         <p:spPr>
           <a:xfrm>
             <a:off x="180000" y="1078920"/>
-            <a:ext cx="9719280" cy="4320000"/>
+            <a:ext cx="9718920" cy="4319640"/>
           </a:xfrm>
           <a:prstGeom prst="rect">
             <a:avLst/>
@@ -5575,8 +5584,8 @@
         </p:nvSpPr>
         <p:spPr>
           <a:xfrm>
-            <a:off x="360000" y="360360"/>
-            <a:ext cx="9359280" cy="719640"/>
+            <a:off x="360000" y="360000"/>
+            <a:ext cx="9358920" cy="720000"/>
           </a:xfrm>
           <a:prstGeom prst="rect">
             <a:avLst/>
@@ -5635,7 +5644,7 @@
         <p:spPr>
           <a:xfrm>
             <a:off x="1260000" y="1080360"/>
-            <a:ext cx="7919280" cy="4318920"/>
+            <a:ext cx="7918920" cy="4318560"/>
           </a:xfrm>
           <a:prstGeom prst="rect">
             <a:avLst/>
